--- a/PresentacionTFM V2.pptx
+++ b/PresentacionTFM V2.pptx
@@ -391,11 +391,11 @@
           <c:showBubbleSize val="0"/>
         </c:dLbls>
         <c:gapWidth val="150"/>
-        <c:axId val="624823448"/>
-        <c:axId val="624842656"/>
+        <c:axId val="257221568"/>
+        <c:axId val="257223528"/>
       </c:barChart>
       <c:catAx>
-        <c:axId val="624823448"/>
+        <c:axId val="257221568"/>
         <c:scaling>
           <c:orientation val="minMax"/>
         </c:scaling>
@@ -405,7 +405,7 @@
         <c:majorTickMark val="none"/>
         <c:minorTickMark val="none"/>
         <c:tickLblPos val="nextTo"/>
-        <c:crossAx val="624842656"/>
+        <c:crossAx val="257223528"/>
         <c:crosses val="autoZero"/>
         <c:auto val="1"/>
         <c:lblAlgn val="ctr"/>
@@ -413,7 +413,7 @@
         <c:noMultiLvlLbl val="0"/>
       </c:catAx>
       <c:valAx>
-        <c:axId val="624842656"/>
+        <c:axId val="257223528"/>
         <c:scaling>
           <c:orientation val="minMax"/>
         </c:scaling>
@@ -428,7 +428,7 @@
         <c:majorTickMark val="none"/>
         <c:minorTickMark val="none"/>
         <c:tickLblPos val="nextTo"/>
-        <c:crossAx val="624823448"/>
+        <c:crossAx val="257221568"/>
         <c:crosses val="autoZero"/>
         <c:crossBetween val="between"/>
       </c:valAx>
@@ -4984,6 +4984,13 @@
     <dgm:pt modelId="{C0B8560E-D461-42DB-8F63-ED90240EC64C}" type="pres">
       <dgm:prSet presAssocID="{9BE5A927-BB5D-4E64-93B9-7CE0302B0134}" presName="parentTextArrow" presStyleLbl="node1" presStyleIdx="1" presStyleCnt="9" custLinFactNeighborX="-2089" custLinFactNeighborY="7955"/>
       <dgm:spPr/>
+      <dgm:t>
+        <a:bodyPr/>
+        <a:lstStyle/>
+        <a:p>
+          <a:endParaRPr lang="es-CO"/>
+        </a:p>
+      </dgm:t>
     </dgm:pt>
     <dgm:pt modelId="{24B11963-186A-458A-A42B-D4127AC00BFF}" type="pres">
       <dgm:prSet presAssocID="{07896DA7-22FE-47D1-9E0E-5BA1204D1252}" presName="sp" presStyleCnt="0"/>
@@ -5218,25 +5225,25 @@
     </dgm:pt>
   </dgm:ptLst>
   <dgm:cxnLst>
-    <dgm:cxn modelId="{68A87C84-47B8-4782-96A7-CC5E11947A9B}" srcId="{9525D28E-E51A-467D-B1E3-55D336B09CD9}" destId="{9BE5A927-BB5D-4E64-93B9-7CE0302B0134}" srcOrd="7" destOrd="0" parTransId="{9B932CD4-0551-468D-B01E-A7D31211DDDF}" sibTransId="{88F601A4-0066-49EB-A122-99E85EB0CE68}"/>
-    <dgm:cxn modelId="{86634413-0CFE-42AE-B1B6-D72ED38488AE}" type="presOf" srcId="{9BE5A927-BB5D-4E64-93B9-7CE0302B0134}" destId="{C0B8560E-D461-42DB-8F63-ED90240EC64C}" srcOrd="0" destOrd="0" presId="urn:microsoft.com/office/officeart/2005/8/layout/process4"/>
-    <dgm:cxn modelId="{AFBEC273-E3C9-45AA-8D4B-D7EB66E2D113}" srcId="{9525D28E-E51A-467D-B1E3-55D336B09CD9}" destId="{324C231C-C163-4580-B00E-A97F77BAF046}" srcOrd="4" destOrd="0" parTransId="{2855119A-66AD-45D1-B1A1-84AE10B3FE0D}" sibTransId="{FB8D4442-FF96-4CD2-A751-473ACD358525}"/>
-    <dgm:cxn modelId="{B93B8FCF-4146-43E6-9F19-5BCFEDB4ABE8}" type="presOf" srcId="{0BC7EB45-3E47-4E55-8923-56156C4D7CD2}" destId="{0E534710-32D9-49B9-A7D7-CCD593525CD8}" srcOrd="0" destOrd="0" presId="urn:microsoft.com/office/officeart/2005/8/layout/process4"/>
-    <dgm:cxn modelId="{7449B725-AA62-4974-A960-731C8AE19CCE}" type="presOf" srcId="{994DBC3B-51DA-4BE9-BAC8-FC42DBDCB219}" destId="{57274562-25DC-4389-8381-8C364718C710}" srcOrd="0" destOrd="0" presId="urn:microsoft.com/office/officeart/2005/8/layout/process4"/>
     <dgm:cxn modelId="{F6D3B4EF-398E-47D6-A7EE-72D75908E16E}" srcId="{9525D28E-E51A-467D-B1E3-55D336B09CD9}" destId="{F7871E76-BF22-4F21-8E84-CA292CA33D80}" srcOrd="0" destOrd="0" parTransId="{78FF5BAF-630A-4CAC-8A3F-5F2D053A278A}" sibTransId="{4D4A0186-0D6A-4DA7-879F-E1D08E0D2611}"/>
-    <dgm:cxn modelId="{2BDFC374-8544-4101-A609-604BC9ECF39A}" srcId="{9525D28E-E51A-467D-B1E3-55D336B09CD9}" destId="{8EB3DDB4-A462-419E-ACB5-BA657068CC41}" srcOrd="5" destOrd="0" parTransId="{23869CFE-F45F-40E4-9B82-54890CC82BD0}" sibTransId="{ADE82C09-9712-4B6C-A8E8-711EF92C27E6}"/>
-    <dgm:cxn modelId="{4267DD11-C486-440F-84F1-68AEB00EC063}" srcId="{9525D28E-E51A-467D-B1E3-55D336B09CD9}" destId="{0BC7EB45-3E47-4E55-8923-56156C4D7CD2}" srcOrd="8" destOrd="0" parTransId="{BE90CD56-6EE2-4A7E-8CD1-5B53790709F6}" sibTransId="{76DE653D-B957-4468-9BC2-571EA76E9CCD}"/>
-    <dgm:cxn modelId="{BB9C52ED-8A2B-42A1-8F60-92A3BB723BF2}" type="presOf" srcId="{9E0A346F-B7CF-405F-8F39-A079B8741AFC}" destId="{7812B8C7-C782-45D1-A5CC-826027F152CD}" srcOrd="0" destOrd="0" presId="urn:microsoft.com/office/officeart/2005/8/layout/process4"/>
-    <dgm:cxn modelId="{A09DF412-8CF9-4F2E-8E9C-A7380CB35BE9}" type="presOf" srcId="{F7871E76-BF22-4F21-8E84-CA292CA33D80}" destId="{EC7F1070-10B7-4D64-8371-A5359FA14B1E}" srcOrd="0" destOrd="0" presId="urn:microsoft.com/office/officeart/2005/8/layout/process4"/>
-    <dgm:cxn modelId="{2CB696D1-B77F-49CB-AC15-DEB4B4ADB2BB}" srcId="{9525D28E-E51A-467D-B1E3-55D336B09CD9}" destId="{C241CA01-ABAA-4C16-86B8-7FB62FDA2E46}" srcOrd="6" destOrd="0" parTransId="{627FEC2A-D8F3-44E8-934C-55A3F8DF7D02}" sibTransId="{07896DA7-22FE-47D1-9E0E-5BA1204D1252}"/>
-    <dgm:cxn modelId="{C2554385-9CE2-4F5E-A8B7-3BC4E16FAB10}" srcId="{9525D28E-E51A-467D-B1E3-55D336B09CD9}" destId="{3A505656-9D20-4F17-BB87-9E73BD8ADE0A}" srcOrd="2" destOrd="0" parTransId="{78B09E82-2A79-4CDD-87BA-AF87628CF139}" sibTransId="{E43EE5EE-D159-4CC0-9F8A-04D31F6E3240}"/>
-    <dgm:cxn modelId="{6676FEB1-B00F-4A8B-96B2-7492C2EDC884}" srcId="{9525D28E-E51A-467D-B1E3-55D336B09CD9}" destId="{994DBC3B-51DA-4BE9-BAC8-FC42DBDCB219}" srcOrd="1" destOrd="0" parTransId="{71E99A5E-D8F4-42DE-AE06-C8E6752343A0}" sibTransId="{9C5B92AD-EF7A-4E86-8F08-6A9801250453}"/>
-    <dgm:cxn modelId="{AA8DACBC-3662-40FF-9406-877A751BE172}" type="presOf" srcId="{9525D28E-E51A-467D-B1E3-55D336B09CD9}" destId="{42300C64-90F9-47E4-873B-C8DB089944DC}" srcOrd="0" destOrd="0" presId="urn:microsoft.com/office/officeart/2005/8/layout/process4"/>
     <dgm:cxn modelId="{C77D6609-1BD4-4F91-92EC-A03A88653216}" srcId="{9525D28E-E51A-467D-B1E3-55D336B09CD9}" destId="{9E0A346F-B7CF-405F-8F39-A079B8741AFC}" srcOrd="3" destOrd="0" parTransId="{3AC6E915-0D6F-4A13-9F81-D88986F453C2}" sibTransId="{4B5998E7-C158-49C9-9322-B5BE15BAF78E}"/>
-    <dgm:cxn modelId="{0685D0A2-0EFE-4EDD-A127-15E28F7AFBF8}" type="presOf" srcId="{324C231C-C163-4580-B00E-A97F77BAF046}" destId="{3060EC75-9B9D-41D6-974F-52B6222B8894}" srcOrd="0" destOrd="0" presId="urn:microsoft.com/office/officeart/2005/8/layout/process4"/>
-    <dgm:cxn modelId="{FCBF90BD-5C55-47D1-B32B-B8D5EDBE2CEE}" type="presOf" srcId="{8EB3DDB4-A462-419E-ACB5-BA657068CC41}" destId="{BF764EC9-9A41-453D-AE35-49FC111FC3E1}" srcOrd="0" destOrd="0" presId="urn:microsoft.com/office/officeart/2005/8/layout/process4"/>
     <dgm:cxn modelId="{38DCAEB3-E892-45E5-A14D-85D194AAF752}" type="presOf" srcId="{3A505656-9D20-4F17-BB87-9E73BD8ADE0A}" destId="{6B9608D3-BA61-432A-8EDA-A3FD7A9EE96C}" srcOrd="0" destOrd="0" presId="urn:microsoft.com/office/officeart/2005/8/layout/process4"/>
     <dgm:cxn modelId="{C4EDEF4C-F3BA-4C49-9A74-989EC0200298}" type="presOf" srcId="{C241CA01-ABAA-4C16-86B8-7FB62FDA2E46}" destId="{9F4D7FA5-32BF-4ACE-83D2-0EC7DBD3DB23}" srcOrd="0" destOrd="0" presId="urn:microsoft.com/office/officeart/2005/8/layout/process4"/>
+    <dgm:cxn modelId="{B93B8FCF-4146-43E6-9F19-5BCFEDB4ABE8}" type="presOf" srcId="{0BC7EB45-3E47-4E55-8923-56156C4D7CD2}" destId="{0E534710-32D9-49B9-A7D7-CCD593525CD8}" srcOrd="0" destOrd="0" presId="urn:microsoft.com/office/officeart/2005/8/layout/process4"/>
+    <dgm:cxn modelId="{6676FEB1-B00F-4A8B-96B2-7492C2EDC884}" srcId="{9525D28E-E51A-467D-B1E3-55D336B09CD9}" destId="{994DBC3B-51DA-4BE9-BAC8-FC42DBDCB219}" srcOrd="1" destOrd="0" parTransId="{71E99A5E-D8F4-42DE-AE06-C8E6752343A0}" sibTransId="{9C5B92AD-EF7A-4E86-8F08-6A9801250453}"/>
+    <dgm:cxn modelId="{0685D0A2-0EFE-4EDD-A127-15E28F7AFBF8}" type="presOf" srcId="{324C231C-C163-4580-B00E-A97F77BAF046}" destId="{3060EC75-9B9D-41D6-974F-52B6222B8894}" srcOrd="0" destOrd="0" presId="urn:microsoft.com/office/officeart/2005/8/layout/process4"/>
+    <dgm:cxn modelId="{2BDFC374-8544-4101-A609-604BC9ECF39A}" srcId="{9525D28E-E51A-467D-B1E3-55D336B09CD9}" destId="{8EB3DDB4-A462-419E-ACB5-BA657068CC41}" srcOrd="5" destOrd="0" parTransId="{23869CFE-F45F-40E4-9B82-54890CC82BD0}" sibTransId="{ADE82C09-9712-4B6C-A8E8-711EF92C27E6}"/>
+    <dgm:cxn modelId="{BB9C52ED-8A2B-42A1-8F60-92A3BB723BF2}" type="presOf" srcId="{9E0A346F-B7CF-405F-8F39-A079B8741AFC}" destId="{7812B8C7-C782-45D1-A5CC-826027F152CD}" srcOrd="0" destOrd="0" presId="urn:microsoft.com/office/officeart/2005/8/layout/process4"/>
+    <dgm:cxn modelId="{4267DD11-C486-440F-84F1-68AEB00EC063}" srcId="{9525D28E-E51A-467D-B1E3-55D336B09CD9}" destId="{0BC7EB45-3E47-4E55-8923-56156C4D7CD2}" srcOrd="8" destOrd="0" parTransId="{BE90CD56-6EE2-4A7E-8CD1-5B53790709F6}" sibTransId="{76DE653D-B957-4468-9BC2-571EA76E9CCD}"/>
+    <dgm:cxn modelId="{7449B725-AA62-4974-A960-731C8AE19CCE}" type="presOf" srcId="{994DBC3B-51DA-4BE9-BAC8-FC42DBDCB219}" destId="{57274562-25DC-4389-8381-8C364718C710}" srcOrd="0" destOrd="0" presId="urn:microsoft.com/office/officeart/2005/8/layout/process4"/>
+    <dgm:cxn modelId="{86634413-0CFE-42AE-B1B6-D72ED38488AE}" type="presOf" srcId="{9BE5A927-BB5D-4E64-93B9-7CE0302B0134}" destId="{C0B8560E-D461-42DB-8F63-ED90240EC64C}" srcOrd="0" destOrd="0" presId="urn:microsoft.com/office/officeart/2005/8/layout/process4"/>
+    <dgm:cxn modelId="{FCBF90BD-5C55-47D1-B32B-B8D5EDBE2CEE}" type="presOf" srcId="{8EB3DDB4-A462-419E-ACB5-BA657068CC41}" destId="{BF764EC9-9A41-453D-AE35-49FC111FC3E1}" srcOrd="0" destOrd="0" presId="urn:microsoft.com/office/officeart/2005/8/layout/process4"/>
+    <dgm:cxn modelId="{68A87C84-47B8-4782-96A7-CC5E11947A9B}" srcId="{9525D28E-E51A-467D-B1E3-55D336B09CD9}" destId="{9BE5A927-BB5D-4E64-93B9-7CE0302B0134}" srcOrd="7" destOrd="0" parTransId="{9B932CD4-0551-468D-B01E-A7D31211DDDF}" sibTransId="{88F601A4-0066-49EB-A122-99E85EB0CE68}"/>
+    <dgm:cxn modelId="{2CB696D1-B77F-49CB-AC15-DEB4B4ADB2BB}" srcId="{9525D28E-E51A-467D-B1E3-55D336B09CD9}" destId="{C241CA01-ABAA-4C16-86B8-7FB62FDA2E46}" srcOrd="6" destOrd="0" parTransId="{627FEC2A-D8F3-44E8-934C-55A3F8DF7D02}" sibTransId="{07896DA7-22FE-47D1-9E0E-5BA1204D1252}"/>
+    <dgm:cxn modelId="{AFBEC273-E3C9-45AA-8D4B-D7EB66E2D113}" srcId="{9525D28E-E51A-467D-B1E3-55D336B09CD9}" destId="{324C231C-C163-4580-B00E-A97F77BAF046}" srcOrd="4" destOrd="0" parTransId="{2855119A-66AD-45D1-B1A1-84AE10B3FE0D}" sibTransId="{FB8D4442-FF96-4CD2-A751-473ACD358525}"/>
+    <dgm:cxn modelId="{C2554385-9CE2-4F5E-A8B7-3BC4E16FAB10}" srcId="{9525D28E-E51A-467D-B1E3-55D336B09CD9}" destId="{3A505656-9D20-4F17-BB87-9E73BD8ADE0A}" srcOrd="2" destOrd="0" parTransId="{78B09E82-2A79-4CDD-87BA-AF87628CF139}" sibTransId="{E43EE5EE-D159-4CC0-9F8A-04D31F6E3240}"/>
+    <dgm:cxn modelId="{AA8DACBC-3662-40FF-9406-877A751BE172}" type="presOf" srcId="{9525D28E-E51A-467D-B1E3-55D336B09CD9}" destId="{42300C64-90F9-47E4-873B-C8DB089944DC}" srcOrd="0" destOrd="0" presId="urn:microsoft.com/office/officeart/2005/8/layout/process4"/>
+    <dgm:cxn modelId="{A09DF412-8CF9-4F2E-8E9C-A7380CB35BE9}" type="presOf" srcId="{F7871E76-BF22-4F21-8E84-CA292CA33D80}" destId="{EC7F1070-10B7-4D64-8371-A5359FA14B1E}" srcOrd="0" destOrd="0" presId="urn:microsoft.com/office/officeart/2005/8/layout/process4"/>
     <dgm:cxn modelId="{4D48466E-E943-466C-B6E3-569CC4428135}" type="presParOf" srcId="{42300C64-90F9-47E4-873B-C8DB089944DC}" destId="{94429BA7-3A71-4813-9D94-F23FA95D9CA6}" srcOrd="0" destOrd="0" presId="urn:microsoft.com/office/officeart/2005/8/layout/process4"/>
     <dgm:cxn modelId="{97FECFF9-1501-4AEF-A984-25CE929D033D}" type="presParOf" srcId="{94429BA7-3A71-4813-9D94-F23FA95D9CA6}" destId="{0E534710-32D9-49B9-A7D7-CCD593525CD8}" srcOrd="0" destOrd="0" presId="urn:microsoft.com/office/officeart/2005/8/layout/process4"/>
     <dgm:cxn modelId="{C9649658-E369-4895-BC70-CBCD71789948}" type="presParOf" srcId="{42300C64-90F9-47E4-873B-C8DB089944DC}" destId="{A8DFF64D-3C4F-48CC-AE2C-D46A3F1FA9CD}" srcOrd="1" destOrd="0" presId="urn:microsoft.com/office/officeart/2005/8/layout/process4"/>
@@ -33307,11 +33314,7 @@
           <a:p>
             <a:r>
               <a:rPr lang="es-ES_tradnl" sz="2800" dirty="0"/>
-              <a:t>El costo total del proyecto es </a:t>
-            </a:r>
-            <a:r>
-              <a:rPr lang="es-ES_tradnl" sz="2800" dirty="0"/>
-              <a:t>de USD </a:t>
+              <a:t>El costo total del proyecto es de USD </a:t>
             </a:r>
             <a:r>
               <a:rPr lang="es-ES_tradnl" sz="2800" dirty="0" smtClean="0"/>
@@ -33327,15 +33330,7 @@
           <a:p>
             <a:r>
               <a:rPr lang="es-ES_tradnl" sz="2800" dirty="0"/>
-              <a:t>Con </a:t>
-            </a:r>
-            <a:r>
-              <a:rPr lang="es-ES_tradnl" sz="2800" dirty="0"/>
-              <a:t>una proyección para su implementación </a:t>
-            </a:r>
-            <a:r>
-              <a:rPr lang="es-ES_tradnl" sz="2800" dirty="0"/>
-              <a:t>de 12 meses contados a partir del momento de la firma del contrato por los servicios de consultoría completos. </a:t>
+              <a:t>Con una proyección para su implementación de 12 meses contados a partir del momento de la firma del contrato por los servicios de consultoría completos. </a:t>
             </a:r>
             <a:endParaRPr lang="es-ES_tradnl" sz="2800" dirty="0" smtClean="0"/>
           </a:p>
@@ -33353,11 +33348,7 @@
             </a:r>
             <a:r>
               <a:rPr lang="es-ES_tradnl" sz="2800" dirty="0" smtClean="0"/>
-              <a:t>información </a:t>
-            </a:r>
-            <a:r>
-              <a:rPr lang="es-ES_tradnl" sz="2800" dirty="0" smtClean="0"/>
-              <a:t>propiedad </a:t>
+              <a:t>información propiedad </a:t>
             </a:r>
             <a:r>
               <a:rPr lang="es-ES_tradnl" sz="2800" dirty="0"/>
@@ -33369,7 +33360,11 @@
             </a:r>
             <a:r>
               <a:rPr lang="es-ES_tradnl" sz="2800" dirty="0"/>
-              <a:t>, el estudio y mejoramiento de los procesos actuales y demás actividades necesarias para la ejecución del proyecto</a:t>
+              <a:t>, el estudio y mejoramiento de los procesos actuales y demás actividades necesarias para la ejecución del </a:t>
+            </a:r>
+            <a:r>
+              <a:rPr lang="es-ES_tradnl" sz="2800" dirty="0" smtClean="0"/>
+              <a:t>proyecto.</a:t>
             </a:r>
             <a:endParaRPr lang="en-US" sz="2800" dirty="0"/>
           </a:p>
@@ -35239,7 +35234,7 @@
           <a:graphicData uri="http://schemas.openxmlformats.org/presentationml/2006/ole">
             <mc:AlternateContent xmlns:mc="http://schemas.openxmlformats.org/markup-compatibility/2006">
               <mc:Choice xmlns:v="urn:schemas-microsoft-com:vml" Requires="v">
-                <p:oleObj spid="_x0000_s2063" name="Visio" r:id="rId3" imgW="5218554" imgH="3097449" progId="Visio.Drawing.11">
+                <p:oleObj spid="_x0000_s2065" name="Visio" r:id="rId3" imgW="5218554" imgH="3097449" progId="Visio.Drawing.11">
                   <p:embed/>
                 </p:oleObj>
               </mc:Choice>
